--- a/从逻辑回归到FM.pptx
+++ b/从逻辑回归到FM.pptx
@@ -5,20 +5,21 @@
     <p:sldMasterId id="2147483828" r:id="rId1"/>
   </p:sldMasterIdLst>
   <p:notesMasterIdLst>
-    <p:notesMasterId r:id="rId10"/>
+    <p:notesMasterId r:id="rId11"/>
   </p:notesMasterIdLst>
   <p:handoutMasterIdLst>
-    <p:handoutMasterId r:id="rId11"/>
+    <p:handoutMasterId r:id="rId12"/>
   </p:handoutMasterIdLst>
   <p:sldIdLst>
     <p:sldId id="274" r:id="rId2"/>
-    <p:sldId id="258" r:id="rId3"/>
-    <p:sldId id="275" r:id="rId4"/>
-    <p:sldId id="276" r:id="rId5"/>
-    <p:sldId id="277" r:id="rId6"/>
-    <p:sldId id="278" r:id="rId7"/>
-    <p:sldId id="279" r:id="rId8"/>
-    <p:sldId id="280" r:id="rId9"/>
+    <p:sldId id="281" r:id="rId3"/>
+    <p:sldId id="258" r:id="rId4"/>
+    <p:sldId id="275" r:id="rId5"/>
+    <p:sldId id="276" r:id="rId6"/>
+    <p:sldId id="277" r:id="rId7"/>
+    <p:sldId id="278" r:id="rId8"/>
+    <p:sldId id="279" r:id="rId9"/>
+    <p:sldId id="280" r:id="rId10"/>
   </p:sldIdLst>
   <p:sldSz cx="12192000" cy="6858000"/>
   <p:notesSz cx="6858000" cy="9144000"/>
@@ -222,7 +223,7 @@
           <a:p>
             <a:fld id="{593F4049-CF41-9340-921C-9E953AEBC91D}" type="datetimeFigureOut">
               <a:rPr kumimoji="1" lang="zh-CN" altLang="en-US" smtClean="0"/>
-              <a:t>2020/10/10</a:t>
+              <a:t>2020/10/11</a:t>
             </a:fld>
             <a:endParaRPr kumimoji="1" lang="zh-CN" altLang="en-US"/>
           </a:p>
@@ -403,7 +404,7 @@
           <a:p>
             <a:fld id="{773ADF60-34E7-844F-99D8-BAD0570EEDCD}" type="datetimeFigureOut">
               <a:rPr kumimoji="1" lang="zh-CN" altLang="en-US" smtClean="0"/>
-              <a:t>2020/10/10</a:t>
+              <a:t>2020/10/11</a:t>
             </a:fld>
             <a:endParaRPr kumimoji="1" lang="zh-CN" altLang="en-US"/>
           </a:p>
@@ -785,7 +786,7 @@
           <a:p>
             <a:fld id="{037025F6-BFD7-9943-9B8C-F9131FE98D7C}" type="datetime1">
               <a:rPr kumimoji="1" lang="zh-CN" altLang="en-US" smtClean="0"/>
-              <a:t>2020/10/10</a:t>
+              <a:t>2020/10/11</a:t>
             </a:fld>
             <a:endParaRPr kumimoji="1" lang="zh-CN" altLang="en-US"/>
           </a:p>
@@ -992,7 +993,7 @@
           <a:p>
             <a:fld id="{647D2575-3400-2E41-90FF-EDCA20F43F99}" type="datetime1">
               <a:rPr kumimoji="1" lang="zh-CN" altLang="en-US" smtClean="0"/>
-              <a:t>2020/10/10</a:t>
+              <a:t>2020/10/11</a:t>
             </a:fld>
             <a:endParaRPr kumimoji="1" lang="zh-CN" altLang="en-US"/>
           </a:p>
@@ -1203,7 +1204,7 @@
           <a:p>
             <a:fld id="{36ECFBB6-623A-4347-8868-87D7C76649CA}" type="datetime1">
               <a:rPr kumimoji="1" lang="zh-CN" altLang="en-US" smtClean="0"/>
-              <a:t>2020/10/10</a:t>
+              <a:t>2020/10/11</a:t>
             </a:fld>
             <a:endParaRPr kumimoji="1" lang="zh-CN" altLang="en-US"/>
           </a:p>
@@ -1400,7 +1401,7 @@
           <a:p>
             <a:fld id="{0FFE54A3-7083-0B46-9318-71FCBA4970FF}" type="datetime1">
               <a:rPr kumimoji="1" lang="zh-CN" altLang="en-US" smtClean="0"/>
-              <a:t>2020/10/10</a:t>
+              <a:t>2020/10/11</a:t>
             </a:fld>
             <a:endParaRPr kumimoji="1" lang="zh-CN" altLang="en-US"/>
           </a:p>
@@ -1704,7 +1705,7 @@
           <a:p>
             <a:fld id="{FA36E5AB-1DB1-3246-8498-AB29222C4491}" type="datetime1">
               <a:rPr kumimoji="1" lang="zh-CN" altLang="en-US" smtClean="0"/>
-              <a:t>2020/10/10</a:t>
+              <a:t>2020/10/11</a:t>
             </a:fld>
             <a:endParaRPr kumimoji="1" lang="zh-CN" altLang="en-US"/>
           </a:p>
@@ -1944,7 +1945,7 @@
           <a:p>
             <a:fld id="{880FADD3-D1B8-6642-A020-F0B9B23822CF}" type="datetime1">
               <a:rPr kumimoji="1" lang="zh-CN" altLang="en-US" smtClean="0"/>
-              <a:t>2020/10/10</a:t>
+              <a:t>2020/10/11</a:t>
             </a:fld>
             <a:endParaRPr kumimoji="1" lang="zh-CN" altLang="en-US"/>
           </a:p>
@@ -2342,7 +2343,7 @@
           <a:p>
             <a:fld id="{2132969B-3872-7345-BAF3-8A93E3CC381D}" type="datetime1">
               <a:rPr kumimoji="1" lang="zh-CN" altLang="en-US" smtClean="0"/>
-              <a:t>2020/10/10</a:t>
+              <a:t>2020/10/11</a:t>
             </a:fld>
             <a:endParaRPr kumimoji="1" lang="zh-CN" altLang="en-US"/>
           </a:p>
@@ -2511,7 +2512,7 @@
           <a:p>
             <a:fld id="{26EBD1E5-AD2C-0C47-AB18-C7C987EADD3A}" type="datetime1">
               <a:rPr kumimoji="1" lang="zh-CN" altLang="en-US" smtClean="0"/>
-              <a:t>2020/10/10</a:t>
+              <a:t>2020/10/11</a:t>
             </a:fld>
             <a:endParaRPr kumimoji="1" lang="zh-CN" altLang="en-US"/>
           </a:p>
@@ -2657,7 +2658,7 @@
           <a:p>
             <a:fld id="{2A8A6A0D-FAF6-EC45-8392-652478D7B75D}" type="datetime1">
               <a:rPr kumimoji="1" lang="zh-CN" altLang="en-US" smtClean="0"/>
-              <a:t>2020/10/10</a:t>
+              <a:t>2020/10/11</a:t>
             </a:fld>
             <a:endParaRPr kumimoji="1" lang="zh-CN" altLang="en-US"/>
           </a:p>
@@ -2909,7 +2910,7 @@
           <a:p>
             <a:fld id="{1C2F5410-F6BC-EA4D-8469-1A13502203AE}" type="datetime1">
               <a:rPr kumimoji="1" lang="zh-CN" altLang="en-US" smtClean="0"/>
-              <a:t>2020/10/10</a:t>
+              <a:t>2020/10/11</a:t>
             </a:fld>
             <a:endParaRPr kumimoji="1" lang="zh-CN" altLang="en-US"/>
           </a:p>
@@ -3379,7 +3380,7 @@
           <a:p>
             <a:fld id="{5BBB7A7E-A911-544B-A9EC-5AB6052D4BD6}" type="datetime1">
               <a:rPr kumimoji="1" lang="zh-CN" altLang="en-US" smtClean="0"/>
-              <a:t>2020/10/10</a:t>
+              <a:t>2020/10/11</a:t>
             </a:fld>
             <a:endParaRPr kumimoji="1" lang="zh-CN" altLang="en-US"/>
           </a:p>
@@ -3725,7 +3726,7 @@
           <a:p>
             <a:fld id="{FDE08BF3-93D0-E545-B70C-6C991EE0E0DA}" type="datetime1">
               <a:rPr kumimoji="1" lang="zh-CN" altLang="en-US" smtClean="0"/>
-              <a:t>2020/10/10</a:t>
+              <a:t>2020/10/11</a:t>
             </a:fld>
             <a:endParaRPr kumimoji="1" lang="zh-CN" altLang="en-US"/>
           </a:p>
@@ -4375,6 +4376,200 @@
 <file path=ppt/slides/slide2.xml><?xml version="1.0" encoding="utf-8"?>
 <p:sld xmlns:a="http://schemas.openxmlformats.org/drawingml/2006/main" xmlns:r="http://schemas.openxmlformats.org/officeDocument/2006/relationships" xmlns:p="http://schemas.openxmlformats.org/presentationml/2006/main">
   <p:cSld>
+    <p:spTree>
+      <p:nvGrpSpPr>
+        <p:cNvPr id="1" name=""/>
+        <p:cNvGrpSpPr/>
+        <p:nvPr/>
+      </p:nvGrpSpPr>
+      <p:grpSpPr>
+        <a:xfrm>
+          <a:off x="0" y="0"/>
+          <a:ext cx="0" cy="0"/>
+          <a:chOff x="0" y="0"/>
+          <a:chExt cx="0" cy="0"/>
+        </a:xfrm>
+      </p:grpSpPr>
+      <p:sp>
+        <p:nvSpPr>
+          <p:cNvPr id="2" name="标题 1">
+            <a:extLst>
+              <a:ext uri="{FF2B5EF4-FFF2-40B4-BE49-F238E27FC236}">
+                <a16:creationId xmlns:a16="http://schemas.microsoft.com/office/drawing/2014/main" id="{BDEAB4AC-3E24-684B-8A42-6CD262275A34}"/>
+              </a:ext>
+            </a:extLst>
+          </p:cNvPr>
+          <p:cNvSpPr>
+            <a:spLocks noGrp="1"/>
+          </p:cNvSpPr>
+          <p:nvPr>
+            <p:ph type="title"/>
+          </p:nvPr>
+        </p:nvSpPr>
+        <p:spPr/>
+        <p:txBody>
+          <a:bodyPr>
+            <a:normAutofit/>
+          </a:bodyPr>
+          <a:lstStyle/>
+          <a:p>
+            <a:pPr algn="ctr"/>
+            <a:r>
+              <a:rPr kumimoji="1" lang="zh-CN" altLang="en-US" sz="3600" b="1" dirty="0"/>
+              <a:t>从逻辑回归到</a:t>
+            </a:r>
+            <a:r>
+              <a:rPr kumimoji="1" lang="en-US" altLang="zh-CN" sz="3600" b="1" dirty="0"/>
+              <a:t>FM</a:t>
+            </a:r>
+            <a:r>
+              <a:rPr kumimoji="1" lang="zh-CN" altLang="en-US" sz="3600" b="1" dirty="0"/>
+              <a:t>推荐系统</a:t>
+            </a:r>
+          </a:p>
+        </p:txBody>
+      </p:sp>
+      <p:sp>
+        <p:nvSpPr>
+          <p:cNvPr id="3" name="内容占位符 2">
+            <a:extLst>
+              <a:ext uri="{FF2B5EF4-FFF2-40B4-BE49-F238E27FC236}">
+                <a16:creationId xmlns:a16="http://schemas.microsoft.com/office/drawing/2014/main" id="{FF3B8DE9-0095-414A-9B81-D08E7779AEB8}"/>
+              </a:ext>
+            </a:extLst>
+          </p:cNvPr>
+          <p:cNvSpPr>
+            <a:spLocks noGrp="1"/>
+          </p:cNvSpPr>
+          <p:nvPr>
+            <p:ph idx="1"/>
+          </p:nvPr>
+        </p:nvSpPr>
+        <p:spPr>
+          <a:xfrm>
+            <a:off x="1102993" y="2019765"/>
+            <a:ext cx="10515600" cy="3601106"/>
+          </a:xfrm>
+        </p:spPr>
+        <p:txBody>
+          <a:bodyPr/>
+          <a:lstStyle/>
+          <a:p>
+            <a:r>
+              <a:rPr lang="en" altLang="zh-CN" sz="2800" dirty="0"/>
+              <a:t>CTR </a:t>
+            </a:r>
+            <a:r>
+              <a:rPr lang="zh-CN" altLang="en-US" dirty="0"/>
+              <a:t>（</a:t>
+            </a:r>
+            <a:r>
+              <a:rPr lang="en" altLang="zh-CN" dirty="0"/>
+              <a:t>Click-Through-Rate</a:t>
+            </a:r>
+            <a:r>
+              <a:rPr lang="zh-CN" altLang="en" dirty="0"/>
+              <a:t>）</a:t>
+            </a:r>
+            <a:r>
+              <a:rPr lang="zh-CN" altLang="en-US" dirty="0"/>
+              <a:t>预估：指对点击率的估计</a:t>
+            </a:r>
+            <a:endParaRPr lang="en" altLang="zh-CN" sz="2800" dirty="0"/>
+          </a:p>
+          <a:p>
+            <a:pPr marL="0" indent="0">
+              <a:buNone/>
+            </a:pPr>
+            <a:endParaRPr lang="en" altLang="zh-CN" sz="2800" dirty="0"/>
+          </a:p>
+          <a:p>
+            <a:r>
+              <a:rPr lang="en" altLang="zh-CN" sz="2800" dirty="0"/>
+              <a:t>FM </a:t>
+            </a:r>
+            <a:r>
+              <a:rPr lang="en" altLang="zh-CN" dirty="0"/>
+              <a:t>(Factorization Machine </a:t>
+            </a:r>
+            <a:r>
+              <a:rPr lang="zh-CN" altLang="en" dirty="0"/>
+              <a:t>因子</a:t>
+            </a:r>
+            <a:r>
+              <a:rPr lang="zh-CN" altLang="en-US" dirty="0"/>
+              <a:t>分解机</a:t>
+            </a:r>
+            <a:r>
+              <a:rPr lang="en-US" altLang="zh-CN" dirty="0"/>
+              <a:t>)</a:t>
+            </a:r>
+            <a:r>
+              <a:rPr lang="en" altLang="zh-CN" sz="2800" dirty="0"/>
+              <a:t> </a:t>
+            </a:r>
+            <a:r>
+              <a:rPr lang="zh-CN" altLang="en" sz="2800" dirty="0"/>
+              <a:t>的</a:t>
+            </a:r>
+            <a:r>
+              <a:rPr lang="zh-CN" altLang="en-US" sz="2800" dirty="0"/>
+              <a:t>由来过程：</a:t>
+            </a:r>
+            <a:endParaRPr lang="en" altLang="zh-CN" sz="2800" dirty="0"/>
+          </a:p>
+          <a:p>
+            <a:pPr marL="0" indent="0">
+              <a:buNone/>
+            </a:pPr>
+            <a:r>
+              <a:rPr lang="en" altLang="zh-CN" sz="2400" i="1" dirty="0"/>
+              <a:t>Logistic regression	</a:t>
+            </a:r>
+            <a:r>
+              <a:rPr lang="en-US" altLang="zh-CN" sz="2400" i="1" dirty="0"/>
+              <a:t>&gt;	poly2	&gt;	FM	&gt;	FFM</a:t>
+            </a:r>
+          </a:p>
+          <a:p>
+            <a:pPr marL="0" indent="0">
+              <a:buNone/>
+            </a:pPr>
+            <a:endParaRPr lang="en" altLang="zh-CN" dirty="0"/>
+          </a:p>
+          <a:p>
+            <a:pPr marL="0" indent="0">
+              <a:buNone/>
+            </a:pPr>
+            <a:endParaRPr lang="en" altLang="zh-CN" dirty="0"/>
+          </a:p>
+          <a:p>
+            <a:endParaRPr kumimoji="1" lang="en" altLang="zh-CN" dirty="0"/>
+          </a:p>
+          <a:p>
+            <a:pPr marL="0" indent="0">
+              <a:buNone/>
+            </a:pPr>
+            <a:endParaRPr kumimoji="1" lang="en" altLang="zh-CN" dirty="0"/>
+          </a:p>
+        </p:txBody>
+      </p:sp>
+    </p:spTree>
+    <p:extLst>
+      <p:ext uri="{BB962C8B-B14F-4D97-AF65-F5344CB8AC3E}">
+        <p14:creationId xmlns:p14="http://schemas.microsoft.com/office/powerpoint/2010/main" val="1786018526"/>
+      </p:ext>
+    </p:extLst>
+  </p:cSld>
+  <p:clrMapOvr>
+    <a:masterClrMapping/>
+  </p:clrMapOvr>
+</p:sld>
+</file>
+
+<file path=ppt/slides/slide3.xml><?xml version="1.0" encoding="utf-8"?>
+<p:sld xmlns:a="http://schemas.openxmlformats.org/drawingml/2006/main" xmlns:r="http://schemas.openxmlformats.org/officeDocument/2006/relationships" xmlns:p="http://schemas.openxmlformats.org/presentationml/2006/main">
+  <p:cSld>
     <p:bg>
       <p:bgPr>
         <a:gradFill>
@@ -4472,62 +4667,12 @@
               <a:bodyPr/>
               <a:lstStyle/>
               <a:p>
-                <a:pPr/>
-                <a:r>
-                  <a:rPr lang="en" altLang="zh-CN" sz="2800" dirty="0"/>
-                  <a:t>FM </a:t>
-                </a:r>
-                <a:r>
-                  <a:rPr lang="en" altLang="zh-CN" dirty="0"/>
-                  <a:t>(Factorization Machine </a:t>
-                </a:r>
-                <a:r>
-                  <a:rPr lang="zh-CN" altLang="en" dirty="0"/>
-                  <a:t>因子</a:t>
-                </a:r>
-                <a:r>
-                  <a:rPr lang="zh-CN" altLang="en-US" dirty="0"/>
-                  <a:t>分解机</a:t>
-                </a:r>
-                <a:r>
-                  <a:rPr lang="en-US" altLang="zh-CN" dirty="0"/>
-                  <a:t>)</a:t>
-                </a:r>
-                <a:r>
-                  <a:rPr lang="en" altLang="zh-CN" sz="2800" dirty="0"/>
-                  <a:t> </a:t>
-                </a:r>
-                <a:r>
-                  <a:rPr lang="zh-CN" altLang="en" sz="2800" dirty="0"/>
-                  <a:t>的</a:t>
-                </a:r>
-                <a:r>
-                  <a:rPr lang="zh-CN" altLang="en-US" sz="2800" dirty="0"/>
-                  <a:t>由来过程：</a:t>
-                </a:r>
-                <a:endParaRPr lang="en" altLang="zh-CN" sz="2800" dirty="0"/>
-              </a:p>
-              <a:p>
-                <a:pPr marL="0" indent="0">
-                  <a:buNone/>
-                </a:pPr>
-                <a:r>
-                  <a:rPr lang="en" altLang="zh-CN" sz="2400" i="1" dirty="0"/>
-                  <a:t>Logistic regression	</a:t>
-                </a:r>
-                <a:r>
-                  <a:rPr lang="en-US" altLang="zh-CN" sz="2400" i="1" dirty="0"/>
-                  <a:t>&gt;	poly2	&gt;	FM	&gt;	FFM</a:t>
-                </a:r>
-              </a:p>
-              <a:p>
                 <a:pPr marL="0" indent="0">
                   <a:buNone/>
                 </a:pPr>
                 <a:endParaRPr lang="en" altLang="zh-CN" dirty="0"/>
               </a:p>
               <a:p>
-                <a:pPr/>
                 <a:r>
                   <a:rPr lang="en" altLang="zh-CN" sz="2800" dirty="0"/>
                   <a:t>Logistic regression </a:t>
@@ -4754,7 +4899,7 @@
               <a:blipFill>
                 <a:blip r:embed="rId2"/>
                 <a:stretch>
-                  <a:fillRect l="-965" t="-581"/>
+                  <a:fillRect l="-965"/>
                 </a:stretch>
               </a:blipFill>
             </p:spPr>
@@ -4786,7 +4931,7 @@
 </p:sld>
 </file>
 
-<file path=ppt/slides/slide3.xml><?xml version="1.0" encoding="utf-8"?>
+<file path=ppt/slides/slide4.xml><?xml version="1.0" encoding="utf-8"?>
 <p:sld xmlns:a="http://schemas.openxmlformats.org/drawingml/2006/main" xmlns:r="http://schemas.openxmlformats.org/officeDocument/2006/relationships" xmlns:p="http://schemas.openxmlformats.org/presentationml/2006/main" showMasterSp="0">
   <p:cSld>
     <p:bg>
@@ -5857,7 +6002,7 @@
 </p:sld>
 </file>
 
-<file path=ppt/slides/slide4.xml><?xml version="1.0" encoding="utf-8"?>
+<file path=ppt/slides/slide5.xml><?xml version="1.0" encoding="utf-8"?>
 <p:sld xmlns:a="http://schemas.openxmlformats.org/drawingml/2006/main" xmlns:r="http://schemas.openxmlformats.org/officeDocument/2006/relationships" xmlns:p="http://schemas.openxmlformats.org/presentationml/2006/main">
   <p:cSld>
     <p:spTree>
@@ -5909,8 +6054,8 @@
           </a:p>
         </p:txBody>
       </p:sp>
-      <mc:AlternateContent xmlns:mc="http://schemas.openxmlformats.org/markup-compatibility/2006">
-        <mc:Choice xmlns:a14="http://schemas.microsoft.com/office/drawing/2010/main" Requires="a14">
+      <mc:AlternateContent xmlns:mc="http://schemas.openxmlformats.org/markup-compatibility/2006" xmlns:a14="http://schemas.microsoft.com/office/drawing/2010/main">
+        <mc:Choice Requires="a14">
           <p:sp>
             <p:nvSpPr>
               <p:cNvPr id="3" name="内容占位符 2">
@@ -6273,7 +6418,7 @@
             </p:txBody>
           </p:sp>
         </mc:Choice>
-        <mc:Fallback>
+        <mc:Fallback xmlns="">
           <p:sp>
             <p:nvSpPr>
               <p:cNvPr id="3" name="内容占位符 2">
@@ -6532,7 +6677,7 @@
 </p:sld>
 </file>
 
-<file path=ppt/slides/slide5.xml><?xml version="1.0" encoding="utf-8"?>
+<file path=ppt/slides/slide6.xml><?xml version="1.0" encoding="utf-8"?>
 <p:sld xmlns:a="http://schemas.openxmlformats.org/drawingml/2006/main" xmlns:r="http://schemas.openxmlformats.org/officeDocument/2006/relationships" xmlns:p="http://schemas.openxmlformats.org/presentationml/2006/main">
   <p:cSld>
     <p:spTree>
@@ -6592,8 +6737,8 @@
           </a:p>
         </p:txBody>
       </p:sp>
-      <mc:AlternateContent xmlns:mc="http://schemas.openxmlformats.org/markup-compatibility/2006">
-        <mc:Choice xmlns:a14="http://schemas.microsoft.com/office/drawing/2010/main" Requires="a14">
+      <mc:AlternateContent xmlns:mc="http://schemas.openxmlformats.org/markup-compatibility/2006" xmlns:a14="http://schemas.microsoft.com/office/drawing/2010/main">
+        <mc:Choice Requires="a14">
           <p:sp>
             <p:nvSpPr>
               <p:cNvPr id="3" name="内容占位符 2">
@@ -7605,7 +7750,7 @@
             </p:txBody>
           </p:sp>
         </mc:Choice>
-        <mc:Fallback>
+        <mc:Fallback xmlns="">
           <p:sp>
             <p:nvSpPr>
               <p:cNvPr id="3" name="内容占位符 2">
@@ -7701,7 +7846,7 @@
 </p:sld>
 </file>
 
-<file path=ppt/slides/slide6.xml><?xml version="1.0" encoding="utf-8"?>
+<file path=ppt/slides/slide7.xml><?xml version="1.0" encoding="utf-8"?>
 <p:sld xmlns:a="http://schemas.openxmlformats.org/drawingml/2006/main" xmlns:r="http://schemas.openxmlformats.org/officeDocument/2006/relationships" xmlns:p="http://schemas.openxmlformats.org/presentationml/2006/main">
   <p:cSld>
     <p:spTree>
@@ -7753,8 +7898,8 @@
           </a:p>
         </p:txBody>
       </p:sp>
-      <mc:AlternateContent xmlns:mc="http://schemas.openxmlformats.org/markup-compatibility/2006">
-        <mc:Choice xmlns:a14="http://schemas.microsoft.com/office/drawing/2010/main" Requires="a14">
+      <mc:AlternateContent xmlns:mc="http://schemas.openxmlformats.org/markup-compatibility/2006" xmlns:a14="http://schemas.microsoft.com/office/drawing/2010/main">
+        <mc:Choice Requires="a14">
           <p:sp>
             <p:nvSpPr>
               <p:cNvPr id="3" name="内容占位符 2">
@@ -7975,13 +8120,7 @@
                               <a:rPr lang="en-US" altLang="zh-CN" sz="2400" i="1">
                                 <a:latin typeface="Cambria Math" panose="02040503050406030204" pitchFamily="18" charset="0"/>
                               </a:rPr>
-                              <m:t>)</m:t>
-                            </m:r>
-                            <m:r>
-                              <a:rPr lang="en-US" altLang="zh-CN" sz="2400" i="1">
-                                <a:latin typeface="Cambria Math" panose="02040503050406030204" pitchFamily="18" charset="0"/>
-                              </a:rPr>
-                              <m:t>∗</m:t>
+                              <m:t>)∗</m:t>
                             </m:r>
                             <m:sSub>
                               <m:sSubPr>
@@ -8070,7 +8209,7 @@
             </p:txBody>
           </p:sp>
         </mc:Choice>
-        <mc:Fallback>
+        <mc:Fallback xmlns="">
           <p:sp>
             <p:nvSpPr>
               <p:cNvPr id="3" name="内容占位符 2">
@@ -8299,7 +8438,7 @@
 </p:sld>
 </file>
 
-<file path=ppt/slides/slide7.xml><?xml version="1.0" encoding="utf-8"?>
+<file path=ppt/slides/slide8.xml><?xml version="1.0" encoding="utf-8"?>
 <p:sld xmlns:a="http://schemas.openxmlformats.org/drawingml/2006/main" xmlns:r="http://schemas.openxmlformats.org/officeDocument/2006/relationships" xmlns:p="http://schemas.openxmlformats.org/presentationml/2006/main">
   <p:cSld>
     <p:spTree>
@@ -8355,8 +8494,8 @@
           </a:p>
         </p:txBody>
       </p:sp>
-      <mc:AlternateContent xmlns:mc="http://schemas.openxmlformats.org/markup-compatibility/2006">
-        <mc:Choice xmlns:a14="http://schemas.microsoft.com/office/drawing/2010/main" Requires="a14">
+      <mc:AlternateContent xmlns:mc="http://schemas.openxmlformats.org/markup-compatibility/2006" xmlns:a14="http://schemas.microsoft.com/office/drawing/2010/main">
+        <mc:Choice Requires="a14">
           <p:sp>
             <p:nvSpPr>
               <p:cNvPr id="3" name="内容占位符 2">
@@ -8577,13 +8716,7 @@
                               <a:rPr lang="en-US" altLang="zh-CN" sz="2400" i="1">
                                 <a:latin typeface="Cambria Math" panose="02040503050406030204" pitchFamily="18" charset="0"/>
                               </a:rPr>
-                              <m:t>)</m:t>
-                            </m:r>
-                            <m:r>
-                              <a:rPr lang="en-US" altLang="zh-CN" sz="2400" i="1">
-                                <a:latin typeface="Cambria Math" panose="02040503050406030204" pitchFamily="18" charset="0"/>
-                              </a:rPr>
-                              <m:t>∗</m:t>
+                              <m:t>)∗</m:t>
                             </m:r>
                             <m:sSub>
                               <m:sSubPr>
@@ -8959,7 +9092,7 @@
             </p:txBody>
           </p:sp>
         </mc:Choice>
-        <mc:Fallback>
+        <mc:Fallback xmlns="">
           <p:sp>
             <p:nvSpPr>
               <p:cNvPr id="3" name="内容占位符 2">
@@ -9365,8 +9498,8 @@
           </a:p>
         </p:txBody>
       </p:sp>
-      <mc:AlternateContent xmlns:mc="http://schemas.openxmlformats.org/markup-compatibility/2006">
-        <mc:Choice xmlns:a14="http://schemas.microsoft.com/office/drawing/2010/main" Requires="a14">
+      <mc:AlternateContent xmlns:mc="http://schemas.openxmlformats.org/markup-compatibility/2006" xmlns:a14="http://schemas.microsoft.com/office/drawing/2010/main">
+        <mc:Choice Requires="a14">
           <p:sp>
             <p:nvSpPr>
               <p:cNvPr id="13" name="文本框 12">
@@ -9568,7 +9701,7 @@
             </p:txBody>
           </p:sp>
         </mc:Choice>
-        <mc:Fallback>
+        <mc:Fallback xmlns="">
           <p:sp>
             <p:nvSpPr>
               <p:cNvPr id="13" name="文本框 12">
@@ -9626,7 +9759,7 @@
 </p:sld>
 </file>
 
-<file path=ppt/slides/slide8.xml><?xml version="1.0" encoding="utf-8"?>
+<file path=ppt/slides/slide9.xml><?xml version="1.0" encoding="utf-8"?>
 <p:sld xmlns:a="http://schemas.openxmlformats.org/drawingml/2006/main" xmlns:r="http://schemas.openxmlformats.org/officeDocument/2006/relationships" xmlns:p="http://schemas.openxmlformats.org/presentationml/2006/main" showMasterSp="0">
   <p:cSld>
     <p:bg>
@@ -10012,8 +10145,8 @@
           </a:fontRef>
         </p:style>
       </p:cxnSp>
-      <mc:AlternateContent xmlns:mc="http://schemas.openxmlformats.org/markup-compatibility/2006">
-        <mc:Choice xmlns:a14="http://schemas.microsoft.com/office/drawing/2010/main" Requires="a14">
+      <mc:AlternateContent xmlns:mc="http://schemas.openxmlformats.org/markup-compatibility/2006" xmlns:a14="http://schemas.microsoft.com/office/drawing/2010/main">
+        <mc:Choice Requires="a14">
           <p:sp>
             <p:nvSpPr>
               <p:cNvPr id="11" name="矩形 10">
@@ -10328,7 +10461,7 @@
             </p:txBody>
           </p:sp>
         </mc:Choice>
-        <mc:Fallback>
+        <mc:Fallback xmlns="">
           <p:sp>
             <p:nvSpPr>
               <p:cNvPr id="11" name="矩形 10">

--- a/从逻辑回归到FM.pptx
+++ b/从逻辑回归到FM.pptx
@@ -4639,8 +4639,8 @@
           </a:p>
         </p:txBody>
       </p:sp>
-      <mc:AlternateContent xmlns:mc="http://schemas.openxmlformats.org/markup-compatibility/2006">
-        <mc:Choice xmlns:a14="http://schemas.microsoft.com/office/drawing/2010/main" Requires="a14">
+      <mc:AlternateContent xmlns:mc="http://schemas.openxmlformats.org/markup-compatibility/2006" xmlns:a14="http://schemas.microsoft.com/office/drawing/2010/main">
+        <mc:Choice Requires="a14">
           <p:sp>
             <p:nvSpPr>
               <p:cNvPr id="3" name="内容占位符 2">
@@ -4874,7 +4874,7 @@
             </p:txBody>
           </p:sp>
         </mc:Choice>
-        <mc:Fallback>
+        <mc:Fallback xmlns="">
           <p:sp>
             <p:nvSpPr>
               <p:cNvPr id="3" name="内容占位符 2">
@@ -6478,7 +6478,7 @@
         </p:nvCxnSpPr>
         <p:spPr>
           <a:xfrm>
-            <a:off x="3674853" y="3088257"/>
+            <a:off x="3405912" y="2456245"/>
             <a:ext cx="2122098" cy="0"/>
           </a:xfrm>
           <a:prstGeom prst="line">
@@ -6516,7 +6516,7 @@
         </p:nvCxnSpPr>
         <p:spPr>
           <a:xfrm>
-            <a:off x="6253216" y="3088257"/>
+            <a:off x="6017944" y="2456245"/>
             <a:ext cx="3453441" cy="20128"/>
           </a:xfrm>
           <a:prstGeom prst="line">
@@ -10071,11 +10071,19 @@
             </a:br>
             <a:r>
               <a:rPr lang="en" altLang="zh-CN" sz="2400" dirty="0"/>
-              <a:t>        	sum += w[j1][f1]</a:t>
+              <a:t>        	sum += w[j1][f</a:t>
             </a:r>
             <a:r>
               <a:rPr lang="en-US" altLang="zh-CN" sz="2400" dirty="0"/>
-              <a:t>.dot(w[j2][f2]) </a:t>
+              <a:t>2</a:t>
+            </a:r>
+            <a:r>
+              <a:rPr lang="en" altLang="zh-CN" sz="2400" dirty="0"/>
+              <a:t>]</a:t>
+            </a:r>
+            <a:r>
+              <a:rPr lang="en-US" altLang="zh-CN" sz="2400" dirty="0"/>
+              <a:t>.dot(w[j2][f1]) </a:t>
             </a:r>
             <a:r>
               <a:rPr lang="en" altLang="zh-CN" sz="2400" dirty="0"/>
